--- a/SocialNetworksFinal.pptx
+++ b/SocialNetworksFinal.pptx
@@ -341,6 +341,11 @@
       </a:defRPr>
     </a:lvl9pPr>
   </p:defaultTextStyle>
+  <p:extLst>
+    <p:ext uri="{EFAFB233-063F-42B5-8137-9DF3F51BA10A}">
+      <p15:sldGuideLst xmlns:p15="http://schemas.microsoft.com/office/powerpoint/2012/main"/>
+    </p:ext>
+  </p:extLst>
 </p:presentation>
 </file>
 
@@ -2200,7 +2205,7 @@
           </a:ln>
           <a:extLst>
             <a:ext uri="{C572A759-6A51-4108-AA02-DFA0A04FC94B}">
-              <ma14:wrappingTextBoxFlag xmlns:ma14="http://schemas.microsoft.com/office/mac/drawingml/2011/main" xmlns:a14="http://schemas.microsoft.com/office/drawing/2010/main" xmlns:m="http://schemas.openxmlformats.org/officeDocument/2006/math" xmlns="" val="1"/>
+              <ma14:wrappingTextBoxFlag xmlns="" xmlns:m="http://schemas.openxmlformats.org/officeDocument/2006/math" xmlns:a14="http://schemas.microsoft.com/office/drawing/2010/main" xmlns:ma14="http://schemas.microsoft.com/office/mac/drawingml/2011/main" val="1"/>
             </a:ext>
           </a:extLst>
         </p:spPr>
@@ -2239,7 +2244,7 @@
           </a:ln>
           <a:extLst>
             <a:ext uri="{C572A759-6A51-4108-AA02-DFA0A04FC94B}">
-              <ma14:wrappingTextBoxFlag xmlns:ma14="http://schemas.microsoft.com/office/mac/drawingml/2011/main" xmlns:a14="http://schemas.microsoft.com/office/drawing/2010/main" xmlns:m="http://schemas.openxmlformats.org/officeDocument/2006/math" xmlns="" val="1"/>
+              <ma14:wrappingTextBoxFlag xmlns="" xmlns:m="http://schemas.openxmlformats.org/officeDocument/2006/math" xmlns:a14="http://schemas.microsoft.com/office/drawing/2010/main" xmlns:ma14="http://schemas.microsoft.com/office/mac/drawingml/2011/main" val="1"/>
             </a:ext>
           </a:extLst>
         </p:spPr>
@@ -3505,6 +3510,75 @@
           </a:p>
         </p:txBody>
       </p:sp>
+      <p:sp>
+        <p:nvSpPr>
+          <p:cNvPr id="3" name="TextBox 2">
+            <a:extLst>
+              <a:ext uri="{FF2B5EF4-FFF2-40B4-BE49-F238E27FC236}">
+                <a16:creationId xmlns:a16="http://schemas.microsoft.com/office/drawing/2014/main" id="{1D638699-4016-0E4F-8536-8543ACDA6B2D}"/>
+              </a:ext>
+            </a:extLst>
+          </p:cNvPr>
+          <p:cNvSpPr txBox="1"/>
+          <p:nvPr/>
+        </p:nvSpPr>
+        <p:spPr>
+          <a:xfrm>
+            <a:off x="1952090" y="5568593"/>
+            <a:ext cx="8691937" cy="369330"/>
+          </a:xfrm>
+          <a:prstGeom prst="rect">
+            <a:avLst/>
+          </a:prstGeom>
+          <a:noFill/>
+          <a:ln w="12700" cap="flat">
+            <a:noFill/>
+            <a:miter lim="400000"/>
+          </a:ln>
+          <a:effectLst/>
+          <a:sp3d/>
+        </p:spPr>
+        <p:style>
+          <a:lnRef idx="0">
+            <a:scrgbClr r="0" g="0" b="0"/>
+          </a:lnRef>
+          <a:fillRef idx="0">
+            <a:scrgbClr r="0" g="0" b="0"/>
+          </a:fillRef>
+          <a:effectRef idx="0">
+            <a:scrgbClr r="0" g="0" b="0"/>
+          </a:effectRef>
+          <a:fontRef idx="none"/>
+        </p:style>
+        <p:txBody>
+          <a:bodyPr rot="0" spcFirstLastPara="1" vertOverflow="overflow" horzOverflow="overflow" vert="horz" wrap="square" lIns="45719" tIns="45719" rIns="45719" bIns="45719" numCol="1" spcCol="38100" rtlCol="0" anchor="t">
+            <a:spAutoFit/>
+          </a:bodyPr>
+          <a:lstStyle/>
+          <a:p>
+            <a:r>
+              <a:rPr lang="en-US" dirty="0">
+                <a:hlinkClick r:id="rId3"/>
+              </a:rPr>
+              <a:t>https://github.com/jrrpanix/SocialNetworks</a:t>
+            </a:r>
+            <a:endParaRPr kumimoji="0" lang="en-US" sz="1800" b="0" i="0" u="none" strike="noStrike" cap="none" spc="0" normalizeH="0" baseline="0" dirty="0">
+              <a:ln>
+                <a:noFill/>
+              </a:ln>
+              <a:solidFill>
+                <a:srgbClr val="000000"/>
+              </a:solidFill>
+              <a:effectLst/>
+              <a:uFillTx/>
+              <a:latin typeface="+mj-lt"/>
+              <a:ea typeface="+mj-ea"/>
+              <a:cs typeface="+mj-cs"/>
+              <a:sym typeface="Calibri"/>
+            </a:endParaRPr>
+          </a:p>
+        </p:txBody>
+      </p:sp>
     </p:spTree>
   </p:cSld>
   <p:clrMapOvr>
@@ -5570,7 +5644,7 @@
           </a:ln>
           <a:extLst>
             <a:ext uri="{C572A759-6A51-4108-AA02-DFA0A04FC94B}">
-              <ma14:wrappingTextBoxFlag xmlns:ma14="http://schemas.microsoft.com/office/mac/drawingml/2011/main" xmlns:a14="http://schemas.microsoft.com/office/drawing/2010/main" xmlns:m="http://schemas.openxmlformats.org/officeDocument/2006/math" xmlns="" val="1"/>
+              <ma14:wrappingTextBoxFlag xmlns="" xmlns:m="http://schemas.openxmlformats.org/officeDocument/2006/math" xmlns:a14="http://schemas.microsoft.com/office/drawing/2010/main" xmlns:ma14="http://schemas.microsoft.com/office/mac/drawingml/2011/main" val="1"/>
             </a:ext>
           </a:extLst>
         </p:spPr>
@@ -5680,7 +5754,7 @@
           </a:ln>
           <a:extLst>
             <a:ext uri="{C572A759-6A51-4108-AA02-DFA0A04FC94B}">
-              <ma14:wrappingTextBoxFlag xmlns:ma14="http://schemas.microsoft.com/office/mac/drawingml/2011/main" xmlns:a14="http://schemas.microsoft.com/office/drawing/2010/main" xmlns:m="http://schemas.openxmlformats.org/officeDocument/2006/math" xmlns="" val="1"/>
+              <ma14:wrappingTextBoxFlag xmlns="" xmlns:m="http://schemas.openxmlformats.org/officeDocument/2006/math" xmlns:a14="http://schemas.microsoft.com/office/drawing/2010/main" xmlns:ma14="http://schemas.microsoft.com/office/mac/drawingml/2011/main" val="1"/>
             </a:ext>
           </a:extLst>
         </p:spPr>
@@ -5803,7 +5877,7 @@
           </a:ln>
           <a:extLst>
             <a:ext uri="{C572A759-6A51-4108-AA02-DFA0A04FC94B}">
-              <ma14:wrappingTextBoxFlag xmlns:ma14="http://schemas.microsoft.com/office/mac/drawingml/2011/main" xmlns:a14="http://schemas.microsoft.com/office/drawing/2010/main" xmlns:m="http://schemas.openxmlformats.org/officeDocument/2006/math" xmlns="" val="1"/>
+              <ma14:wrappingTextBoxFlag xmlns="" xmlns:m="http://schemas.openxmlformats.org/officeDocument/2006/math" xmlns:a14="http://schemas.microsoft.com/office/drawing/2010/main" xmlns:ma14="http://schemas.microsoft.com/office/mac/drawingml/2011/main" val="1"/>
             </a:ext>
           </a:extLst>
         </p:spPr>
@@ -5856,7 +5930,7 @@
           </a:ln>
           <a:extLst>
             <a:ext uri="{C572A759-6A51-4108-AA02-DFA0A04FC94B}">
-              <ma14:wrappingTextBoxFlag xmlns:ma14="http://schemas.microsoft.com/office/mac/drawingml/2011/main" xmlns:a14="http://schemas.microsoft.com/office/drawing/2010/main" xmlns:m="http://schemas.openxmlformats.org/officeDocument/2006/math" xmlns="" val="1"/>
+              <ma14:wrappingTextBoxFlag xmlns="" xmlns:m="http://schemas.openxmlformats.org/officeDocument/2006/math" xmlns:a14="http://schemas.microsoft.com/office/drawing/2010/main" xmlns:ma14="http://schemas.microsoft.com/office/mac/drawingml/2011/main" val="1"/>
             </a:ext>
           </a:extLst>
         </p:spPr>
@@ -5921,7 +5995,7 @@
           </a:ln>
           <a:extLst>
             <a:ext uri="{C572A759-6A51-4108-AA02-DFA0A04FC94B}">
-              <ma14:wrappingTextBoxFlag xmlns:ma14="http://schemas.microsoft.com/office/mac/drawingml/2011/main" xmlns:a14="http://schemas.microsoft.com/office/drawing/2010/main" xmlns:m="http://schemas.openxmlformats.org/officeDocument/2006/math" xmlns="" val="1"/>
+              <ma14:wrappingTextBoxFlag xmlns="" xmlns:m="http://schemas.openxmlformats.org/officeDocument/2006/math" xmlns:a14="http://schemas.microsoft.com/office/drawing/2010/main" xmlns:ma14="http://schemas.microsoft.com/office/mac/drawingml/2011/main" val="1"/>
             </a:ext>
           </a:extLst>
         </p:spPr>
@@ -9195,7 +9269,7 @@
           </a:ln>
           <a:extLst>
             <a:ext uri="{C572A759-6A51-4108-AA02-DFA0A04FC94B}">
-              <ma14:wrappingTextBoxFlag xmlns:ma14="http://schemas.microsoft.com/office/mac/drawingml/2011/main" xmlns:a14="http://schemas.microsoft.com/office/drawing/2010/main" xmlns:m="http://schemas.openxmlformats.org/officeDocument/2006/math" xmlns="" val="1"/>
+              <ma14:wrappingTextBoxFlag xmlns="" xmlns:m="http://schemas.openxmlformats.org/officeDocument/2006/math" xmlns:a14="http://schemas.microsoft.com/office/drawing/2010/main" xmlns:ma14="http://schemas.microsoft.com/office/mac/drawingml/2011/main" val="1"/>
             </a:ext>
           </a:extLst>
         </p:spPr>
@@ -12496,7 +12570,7 @@
           </a:ln>
           <a:extLst>
             <a:ext uri="{C572A759-6A51-4108-AA02-DFA0A04FC94B}">
-              <ma14:wrappingTextBoxFlag xmlns:ma14="http://schemas.microsoft.com/office/mac/drawingml/2011/main" xmlns:a14="http://schemas.microsoft.com/office/drawing/2010/main" xmlns:m="http://schemas.openxmlformats.org/officeDocument/2006/math" xmlns="" val="1"/>
+              <ma14:wrappingTextBoxFlag xmlns="" xmlns:m="http://schemas.openxmlformats.org/officeDocument/2006/math" xmlns:a14="http://schemas.microsoft.com/office/drawing/2010/main" xmlns:ma14="http://schemas.microsoft.com/office/mac/drawingml/2011/main" val="1"/>
             </a:ext>
           </a:extLst>
         </p:spPr>
@@ -12576,7 +12650,7 @@
           </a:ln>
           <a:extLst>
             <a:ext uri="{C572A759-6A51-4108-AA02-DFA0A04FC94B}">
-              <ma14:wrappingTextBoxFlag xmlns:ma14="http://schemas.microsoft.com/office/mac/drawingml/2011/main" xmlns:a14="http://schemas.microsoft.com/office/drawing/2010/main" xmlns:m="http://schemas.openxmlformats.org/officeDocument/2006/math" xmlns="" val="1"/>
+              <ma14:wrappingTextBoxFlag xmlns="" xmlns:m="http://schemas.openxmlformats.org/officeDocument/2006/math" xmlns:a14="http://schemas.microsoft.com/office/drawing/2010/main" xmlns:ma14="http://schemas.microsoft.com/office/mac/drawingml/2011/main" val="1"/>
             </a:ext>
           </a:extLst>
         </p:spPr>
@@ -12641,7 +12715,7 @@
           </a:ln>
           <a:extLst>
             <a:ext uri="{C572A759-6A51-4108-AA02-DFA0A04FC94B}">
-              <ma14:wrappingTextBoxFlag xmlns:ma14="http://schemas.microsoft.com/office/mac/drawingml/2011/main" xmlns:a14="http://schemas.microsoft.com/office/drawing/2010/main" xmlns:m="http://schemas.openxmlformats.org/officeDocument/2006/math" xmlns="" val="1"/>
+              <ma14:wrappingTextBoxFlag xmlns="" xmlns:m="http://schemas.openxmlformats.org/officeDocument/2006/math" xmlns:a14="http://schemas.microsoft.com/office/drawing/2010/main" xmlns:ma14="http://schemas.microsoft.com/office/mac/drawingml/2011/main" val="1"/>
             </a:ext>
           </a:extLst>
         </p:spPr>
@@ -12711,7 +12785,7 @@
           </a:ln>
           <a:extLst>
             <a:ext uri="{C572A759-6A51-4108-AA02-DFA0A04FC94B}">
-              <ma14:wrappingTextBoxFlag xmlns:ma14="http://schemas.microsoft.com/office/mac/drawingml/2011/main" xmlns:a14="http://schemas.microsoft.com/office/drawing/2010/main" xmlns:m="http://schemas.openxmlformats.org/officeDocument/2006/math" xmlns="" val="1"/>
+              <ma14:wrappingTextBoxFlag xmlns="" xmlns:m="http://schemas.openxmlformats.org/officeDocument/2006/math" xmlns:a14="http://schemas.microsoft.com/office/drawing/2010/main" xmlns:ma14="http://schemas.microsoft.com/office/mac/drawingml/2011/main" val="1"/>
             </a:ext>
           </a:extLst>
         </p:spPr>
@@ -12761,7 +12835,7 @@
           </a:ln>
           <a:extLst>
             <a:ext uri="{C572A759-6A51-4108-AA02-DFA0A04FC94B}">
-              <ma14:wrappingTextBoxFlag xmlns:ma14="http://schemas.microsoft.com/office/mac/drawingml/2011/main" xmlns:a14="http://schemas.microsoft.com/office/drawing/2010/main" xmlns:m="http://schemas.openxmlformats.org/officeDocument/2006/math" xmlns="" val="1"/>
+              <ma14:wrappingTextBoxFlag xmlns="" xmlns:m="http://schemas.openxmlformats.org/officeDocument/2006/math" xmlns:a14="http://schemas.microsoft.com/office/drawing/2010/main" xmlns:ma14="http://schemas.microsoft.com/office/mac/drawingml/2011/main" val="1"/>
             </a:ext>
           </a:extLst>
         </p:spPr>
@@ -12842,7 +12916,7 @@
           </a:ln>
           <a:extLst>
             <a:ext uri="{C572A759-6A51-4108-AA02-DFA0A04FC94B}">
-              <ma14:wrappingTextBoxFlag xmlns:ma14="http://schemas.microsoft.com/office/mac/drawingml/2011/main" xmlns:a14="http://schemas.microsoft.com/office/drawing/2010/main" xmlns:m="http://schemas.openxmlformats.org/officeDocument/2006/math" xmlns="" val="1"/>
+              <ma14:wrappingTextBoxFlag xmlns="" xmlns:m="http://schemas.openxmlformats.org/officeDocument/2006/math" xmlns:a14="http://schemas.microsoft.com/office/drawing/2010/main" xmlns:ma14="http://schemas.microsoft.com/office/mac/drawingml/2011/main" val="1"/>
             </a:ext>
           </a:extLst>
         </p:spPr>
@@ -12892,7 +12966,7 @@
           </a:ln>
           <a:extLst>
             <a:ext uri="{C572A759-6A51-4108-AA02-DFA0A04FC94B}">
-              <ma14:wrappingTextBoxFlag xmlns:ma14="http://schemas.microsoft.com/office/mac/drawingml/2011/main" xmlns:a14="http://schemas.microsoft.com/office/drawing/2010/main" xmlns:m="http://schemas.openxmlformats.org/officeDocument/2006/math" xmlns="" val="1"/>
+              <ma14:wrappingTextBoxFlag xmlns="" xmlns:m="http://schemas.openxmlformats.org/officeDocument/2006/math" xmlns:a14="http://schemas.microsoft.com/office/drawing/2010/main" xmlns:ma14="http://schemas.microsoft.com/office/mac/drawingml/2011/main" val="1"/>
             </a:ext>
           </a:extLst>
         </p:spPr>
@@ -13059,7 +13133,7 @@
           </a:ln>
           <a:extLst>
             <a:ext uri="{C572A759-6A51-4108-AA02-DFA0A04FC94B}">
-              <ma14:wrappingTextBoxFlag xmlns:ma14="http://schemas.microsoft.com/office/mac/drawingml/2011/main" xmlns:a14="http://schemas.microsoft.com/office/drawing/2010/main" xmlns:m="http://schemas.openxmlformats.org/officeDocument/2006/math" xmlns="" val="1"/>
+              <ma14:wrappingTextBoxFlag xmlns="" xmlns:m="http://schemas.openxmlformats.org/officeDocument/2006/math" xmlns:a14="http://schemas.microsoft.com/office/drawing/2010/main" xmlns:ma14="http://schemas.microsoft.com/office/mac/drawingml/2011/main" val="1"/>
             </a:ext>
           </a:extLst>
         </p:spPr>
@@ -13098,7 +13172,7 @@
           </a:ln>
           <a:extLst>
             <a:ext uri="{C572A759-6A51-4108-AA02-DFA0A04FC94B}">
-              <ma14:wrappingTextBoxFlag xmlns:ma14="http://schemas.microsoft.com/office/mac/drawingml/2011/main" xmlns:a14="http://schemas.microsoft.com/office/drawing/2010/main" xmlns:m="http://schemas.openxmlformats.org/officeDocument/2006/math" xmlns="" val="1"/>
+              <ma14:wrappingTextBoxFlag xmlns="" xmlns:m="http://schemas.openxmlformats.org/officeDocument/2006/math" xmlns:a14="http://schemas.microsoft.com/office/drawing/2010/main" xmlns:ma14="http://schemas.microsoft.com/office/mac/drawingml/2011/main" val="1"/>
             </a:ext>
           </a:extLst>
         </p:spPr>
@@ -13153,7 +13227,7 @@
           </a:ln>
           <a:extLst>
             <a:ext uri="{C572A759-6A51-4108-AA02-DFA0A04FC94B}">
-              <ma14:wrappingTextBoxFlag xmlns:ma14="http://schemas.microsoft.com/office/mac/drawingml/2011/main" xmlns:a14="http://schemas.microsoft.com/office/drawing/2010/main" xmlns:m="http://schemas.openxmlformats.org/officeDocument/2006/math" xmlns="" val="1"/>
+              <ma14:wrappingTextBoxFlag xmlns="" xmlns:m="http://schemas.openxmlformats.org/officeDocument/2006/math" xmlns:a14="http://schemas.microsoft.com/office/drawing/2010/main" xmlns:ma14="http://schemas.microsoft.com/office/mac/drawingml/2011/main" val="1"/>
             </a:ext>
           </a:extLst>
         </p:spPr>
@@ -13323,7 +13397,7 @@
           </a:ln>
           <a:extLst>
             <a:ext uri="{C572A759-6A51-4108-AA02-DFA0A04FC94B}">
-              <ma14:wrappingTextBoxFlag xmlns:ma14="http://schemas.microsoft.com/office/mac/drawingml/2011/main" xmlns:a14="http://schemas.microsoft.com/office/drawing/2010/main" xmlns:m="http://schemas.openxmlformats.org/officeDocument/2006/math" xmlns="" val="1"/>
+              <ma14:wrappingTextBoxFlag xmlns="" xmlns:m="http://schemas.openxmlformats.org/officeDocument/2006/math" xmlns:a14="http://schemas.microsoft.com/office/drawing/2010/main" xmlns:ma14="http://schemas.microsoft.com/office/mac/drawingml/2011/main" val="1"/>
             </a:ext>
           </a:extLst>
         </p:spPr>
@@ -13403,7 +13477,7 @@
           </a:ln>
           <a:extLst>
             <a:ext uri="{C572A759-6A51-4108-AA02-DFA0A04FC94B}">
-              <ma14:wrappingTextBoxFlag xmlns:ma14="http://schemas.microsoft.com/office/mac/drawingml/2011/main" xmlns:a14="http://schemas.microsoft.com/office/drawing/2010/main" xmlns:m="http://schemas.openxmlformats.org/officeDocument/2006/math" xmlns="" val="1"/>
+              <ma14:wrappingTextBoxFlag xmlns="" xmlns:m="http://schemas.openxmlformats.org/officeDocument/2006/math" xmlns:a14="http://schemas.microsoft.com/office/drawing/2010/main" xmlns:ma14="http://schemas.microsoft.com/office/mac/drawingml/2011/main" val="1"/>
             </a:ext>
           </a:extLst>
         </p:spPr>
@@ -13483,7 +13557,7 @@
           </a:ln>
           <a:extLst>
             <a:ext uri="{C572A759-6A51-4108-AA02-DFA0A04FC94B}">
-              <ma14:wrappingTextBoxFlag xmlns:ma14="http://schemas.microsoft.com/office/mac/drawingml/2011/main" xmlns:a14="http://schemas.microsoft.com/office/drawing/2010/main" xmlns:m="http://schemas.openxmlformats.org/officeDocument/2006/math" xmlns="" val="1"/>
+              <ma14:wrappingTextBoxFlag xmlns="" xmlns:m="http://schemas.openxmlformats.org/officeDocument/2006/math" xmlns:a14="http://schemas.microsoft.com/office/drawing/2010/main" xmlns:ma14="http://schemas.microsoft.com/office/mac/drawingml/2011/main" val="1"/>
             </a:ext>
           </a:extLst>
         </p:spPr>
@@ -13533,7 +13607,7 @@
           </a:ln>
           <a:extLst>
             <a:ext uri="{C572A759-6A51-4108-AA02-DFA0A04FC94B}">
-              <ma14:wrappingTextBoxFlag xmlns:ma14="http://schemas.microsoft.com/office/mac/drawingml/2011/main" xmlns:a14="http://schemas.microsoft.com/office/drawing/2010/main" xmlns:m="http://schemas.openxmlformats.org/officeDocument/2006/math" xmlns="" val="1"/>
+              <ma14:wrappingTextBoxFlag xmlns="" xmlns:m="http://schemas.openxmlformats.org/officeDocument/2006/math" xmlns:a14="http://schemas.microsoft.com/office/drawing/2010/main" xmlns:ma14="http://schemas.microsoft.com/office/mac/drawingml/2011/main" val="1"/>
             </a:ext>
           </a:extLst>
         </p:spPr>
@@ -13601,7 +13675,7 @@
           </a:ln>
           <a:extLst>
             <a:ext uri="{C572A759-6A51-4108-AA02-DFA0A04FC94B}">
-              <ma14:wrappingTextBoxFlag xmlns:ma14="http://schemas.microsoft.com/office/mac/drawingml/2011/main" xmlns:a14="http://schemas.microsoft.com/office/drawing/2010/main" xmlns:m="http://schemas.openxmlformats.org/officeDocument/2006/math" xmlns="" val="1"/>
+              <ma14:wrappingTextBoxFlag xmlns="" xmlns:m="http://schemas.openxmlformats.org/officeDocument/2006/math" xmlns:a14="http://schemas.microsoft.com/office/drawing/2010/main" xmlns:ma14="http://schemas.microsoft.com/office/mac/drawingml/2011/main" val="1"/>
             </a:ext>
           </a:extLst>
         </p:spPr>
@@ -17511,7 +17585,7 @@
           </a:ln>
           <a:extLst>
             <a:ext uri="{C572A759-6A51-4108-AA02-DFA0A04FC94B}">
-              <ma14:wrappingTextBoxFlag xmlns:ma14="http://schemas.microsoft.com/office/mac/drawingml/2011/main" xmlns:a14="http://schemas.microsoft.com/office/drawing/2010/main" xmlns:m="http://schemas.openxmlformats.org/officeDocument/2006/math" xmlns="" val="1"/>
+              <ma14:wrappingTextBoxFlag xmlns="" xmlns:m="http://schemas.openxmlformats.org/officeDocument/2006/math" xmlns:a14="http://schemas.microsoft.com/office/drawing/2010/main" xmlns:ma14="http://schemas.microsoft.com/office/mac/drawingml/2011/main" val="1"/>
             </a:ext>
           </a:extLst>
         </p:spPr>
@@ -17582,7 +17656,7 @@
           </a:ln>
           <a:extLst>
             <a:ext uri="{C572A759-6A51-4108-AA02-DFA0A04FC94B}">
-              <ma14:wrappingTextBoxFlag xmlns:ma14="http://schemas.microsoft.com/office/mac/drawingml/2011/main" xmlns:a14="http://schemas.microsoft.com/office/drawing/2010/main" xmlns:m="http://schemas.openxmlformats.org/officeDocument/2006/math" xmlns="" val="1"/>
+              <ma14:wrappingTextBoxFlag xmlns="" xmlns:m="http://schemas.openxmlformats.org/officeDocument/2006/math" xmlns:a14="http://schemas.microsoft.com/office/drawing/2010/main" xmlns:ma14="http://schemas.microsoft.com/office/mac/drawingml/2011/main" val="1"/>
             </a:ext>
           </a:extLst>
         </p:spPr>
@@ -17643,7 +17717,7 @@
           </a:ln>
           <a:extLst>
             <a:ext uri="{C572A759-6A51-4108-AA02-DFA0A04FC94B}">
-              <ma14:wrappingTextBoxFlag xmlns:ma14="http://schemas.microsoft.com/office/mac/drawingml/2011/main" xmlns:a14="http://schemas.microsoft.com/office/drawing/2010/main" xmlns:m="http://schemas.openxmlformats.org/officeDocument/2006/math" xmlns="" val="1"/>
+              <ma14:wrappingTextBoxFlag xmlns="" xmlns:m="http://schemas.openxmlformats.org/officeDocument/2006/math" xmlns:a14="http://schemas.microsoft.com/office/drawing/2010/main" xmlns:ma14="http://schemas.microsoft.com/office/mac/drawingml/2011/main" val="1"/>
             </a:ext>
           </a:extLst>
         </p:spPr>
@@ -17789,7 +17863,7 @@
           </a:ln>
           <a:extLst>
             <a:ext uri="{C572A759-6A51-4108-AA02-DFA0A04FC94B}">
-              <ma14:wrappingTextBoxFlag xmlns:ma14="http://schemas.microsoft.com/office/mac/drawingml/2011/main" xmlns:a14="http://schemas.microsoft.com/office/drawing/2010/main" xmlns:m="http://schemas.openxmlformats.org/officeDocument/2006/math" xmlns="" val="1"/>
+              <ma14:wrappingTextBoxFlag xmlns="" xmlns:m="http://schemas.openxmlformats.org/officeDocument/2006/math" xmlns:a14="http://schemas.microsoft.com/office/drawing/2010/main" xmlns:ma14="http://schemas.microsoft.com/office/mac/drawingml/2011/main" val="1"/>
             </a:ext>
           </a:extLst>
         </p:spPr>
@@ -18284,7 +18358,7 @@
           </a:ln>
           <a:extLst>
             <a:ext uri="{C572A759-6A51-4108-AA02-DFA0A04FC94B}">
-              <ma14:wrappingTextBoxFlag xmlns:ma14="http://schemas.microsoft.com/office/mac/drawingml/2011/main" xmlns:a14="http://schemas.microsoft.com/office/drawing/2010/main" xmlns:m="http://schemas.openxmlformats.org/officeDocument/2006/math" xmlns="" val="1"/>
+              <ma14:wrappingTextBoxFlag xmlns="" xmlns:m="http://schemas.openxmlformats.org/officeDocument/2006/math" xmlns:a14="http://schemas.microsoft.com/office/drawing/2010/main" xmlns:ma14="http://schemas.microsoft.com/office/mac/drawingml/2011/main" val="1"/>
             </a:ext>
           </a:extLst>
         </p:spPr>
@@ -18599,7 +18673,7 @@
           </a:ln>
           <a:extLst>
             <a:ext uri="{C572A759-6A51-4108-AA02-DFA0A04FC94B}">
-              <ma14:wrappingTextBoxFlag xmlns:ma14="http://schemas.microsoft.com/office/mac/drawingml/2011/main" xmlns:a14="http://schemas.microsoft.com/office/drawing/2010/main" xmlns:m="http://schemas.openxmlformats.org/officeDocument/2006/math" xmlns="" val="1"/>
+              <ma14:wrappingTextBoxFlag xmlns="" xmlns:m="http://schemas.openxmlformats.org/officeDocument/2006/math" xmlns:a14="http://schemas.microsoft.com/office/drawing/2010/main" xmlns:ma14="http://schemas.microsoft.com/office/mac/drawingml/2011/main" val="1"/>
             </a:ext>
           </a:extLst>
         </p:spPr>
@@ -18706,7 +18780,7 @@
           </a:ln>
           <a:extLst>
             <a:ext uri="{C572A759-6A51-4108-AA02-DFA0A04FC94B}">
-              <ma14:wrappingTextBoxFlag xmlns:ma14="http://schemas.microsoft.com/office/mac/drawingml/2011/main" xmlns:a14="http://schemas.microsoft.com/office/drawing/2010/main" xmlns:m="http://schemas.openxmlformats.org/officeDocument/2006/math" xmlns="" val="1"/>
+              <ma14:wrappingTextBoxFlag xmlns="" xmlns:m="http://schemas.openxmlformats.org/officeDocument/2006/math" xmlns:a14="http://schemas.microsoft.com/office/drawing/2010/main" xmlns:ma14="http://schemas.microsoft.com/office/mac/drawingml/2011/main" val="1"/>
             </a:ext>
           </a:extLst>
         </p:spPr>
